--- a/Events_in_focus.pptx
+++ b/Events_in_focus.pptx
@@ -11492,13 +11492,12 @@
           <p:cNvPicPr preferRelativeResize="0"/>
           <p:nvPr/>
         </p:nvPicPr>
-        <p:blipFill>
+        <p:blipFill rotWithShape="1">
           <a:blip r:embed="rId4">
             <a:alphaModFix/>
           </a:blip>
-          <a:stretch>
-            <a:fillRect/>
-          </a:stretch>
+          <a:srcRect b="0" l="0" r="0" t="0"/>
+          <a:stretch/>
         </p:blipFill>
         <p:spPr>
           <a:xfrm>
